--- a/CSC3510 S2021/Lectures/05_IntegerationTesting.pptx
+++ b/CSC3510 S2021/Lectures/05_IntegerationTesting.pptx
@@ -245,7 +245,7 @@
           <a:p>
             <a:fld id="{C8AEADBA-F76D-42CB-AAEA-5899A162C59D}" type="datetimeFigureOut">
               <a:rPr lang="en-US" smtClean="0"/>
-              <a:t>12/16/2020</a:t>
+              <a:t>1/11/2021</a:t>
             </a:fld>
             <a:endParaRPr lang="en-US"/>
           </a:p>
@@ -995,7 +995,7 @@
           <a:p>
             <a:fld id="{83777DF0-4DA5-40CD-8FA1-5F589D66E613}" type="datetimeFigureOut">
               <a:rPr lang="en-US" smtClean="0"/>
-              <a:t>12/16/2020</a:t>
+              <a:t>1/11/2021</a:t>
             </a:fld>
             <a:endParaRPr lang="en-US"/>
           </a:p>
@@ -1165,7 +1165,7 @@
           <a:p>
             <a:fld id="{83777DF0-4DA5-40CD-8FA1-5F589D66E613}" type="datetimeFigureOut">
               <a:rPr lang="en-US" smtClean="0"/>
-              <a:t>12/16/2020</a:t>
+              <a:t>1/11/2021</a:t>
             </a:fld>
             <a:endParaRPr lang="en-US"/>
           </a:p>
@@ -1345,7 +1345,7 @@
           <a:p>
             <a:fld id="{83777DF0-4DA5-40CD-8FA1-5F589D66E613}" type="datetimeFigureOut">
               <a:rPr lang="en-US" smtClean="0"/>
-              <a:t>12/16/2020</a:t>
+              <a:t>1/11/2021</a:t>
             </a:fld>
             <a:endParaRPr lang="en-US"/>
           </a:p>
@@ -1515,7 +1515,7 @@
           <a:p>
             <a:fld id="{83777DF0-4DA5-40CD-8FA1-5F589D66E613}" type="datetimeFigureOut">
               <a:rPr lang="en-US" smtClean="0"/>
-              <a:t>12/16/2020</a:t>
+              <a:t>1/11/2021</a:t>
             </a:fld>
             <a:endParaRPr lang="en-US"/>
           </a:p>
@@ -1761,7 +1761,7 @@
           <a:p>
             <a:fld id="{83777DF0-4DA5-40CD-8FA1-5F589D66E613}" type="datetimeFigureOut">
               <a:rPr lang="en-US" smtClean="0"/>
-              <a:t>12/16/2020</a:t>
+              <a:t>1/11/2021</a:t>
             </a:fld>
             <a:endParaRPr lang="en-US"/>
           </a:p>
@@ -1993,7 +1993,7 @@
           <a:p>
             <a:fld id="{83777DF0-4DA5-40CD-8FA1-5F589D66E613}" type="datetimeFigureOut">
               <a:rPr lang="en-US" smtClean="0"/>
-              <a:t>12/16/2020</a:t>
+              <a:t>1/11/2021</a:t>
             </a:fld>
             <a:endParaRPr lang="en-US"/>
           </a:p>
@@ -2360,7 +2360,7 @@
           <a:p>
             <a:fld id="{83777DF0-4DA5-40CD-8FA1-5F589D66E613}" type="datetimeFigureOut">
               <a:rPr lang="en-US" smtClean="0"/>
-              <a:t>12/16/2020</a:t>
+              <a:t>1/11/2021</a:t>
             </a:fld>
             <a:endParaRPr lang="en-US"/>
           </a:p>
@@ -2478,7 +2478,7 @@
           <a:p>
             <a:fld id="{83777DF0-4DA5-40CD-8FA1-5F589D66E613}" type="datetimeFigureOut">
               <a:rPr lang="en-US" smtClean="0"/>
-              <a:t>12/16/2020</a:t>
+              <a:t>1/11/2021</a:t>
             </a:fld>
             <a:endParaRPr lang="en-US"/>
           </a:p>
@@ -2573,7 +2573,7 @@
           <a:p>
             <a:fld id="{83777DF0-4DA5-40CD-8FA1-5F589D66E613}" type="datetimeFigureOut">
               <a:rPr lang="en-US" smtClean="0"/>
-              <a:t>12/16/2020</a:t>
+              <a:t>1/11/2021</a:t>
             </a:fld>
             <a:endParaRPr lang="en-US"/>
           </a:p>
@@ -2850,7 +2850,7 @@
           <a:p>
             <a:fld id="{83777DF0-4DA5-40CD-8FA1-5F589D66E613}" type="datetimeFigureOut">
               <a:rPr lang="en-US" smtClean="0"/>
-              <a:t>12/16/2020</a:t>
+              <a:t>1/11/2021</a:t>
             </a:fld>
             <a:endParaRPr lang="en-US"/>
           </a:p>
@@ -3107,7 +3107,7 @@
           <a:p>
             <a:fld id="{83777DF0-4DA5-40CD-8FA1-5F589D66E613}" type="datetimeFigureOut">
               <a:rPr lang="en-US" smtClean="0"/>
-              <a:t>12/16/2020</a:t>
+              <a:t>1/11/2021</a:t>
             </a:fld>
             <a:endParaRPr lang="en-US"/>
           </a:p>
@@ -3327,7 +3327,7 @@
           <a:p>
             <a:fld id="{83777DF0-4DA5-40CD-8FA1-5F589D66E613}" type="datetimeFigureOut">
               <a:rPr lang="en-US" smtClean="0"/>
-              <a:t>12/16/2020</a:t>
+              <a:t>1/11/2021</a:t>
             </a:fld>
             <a:endParaRPr lang="en-US"/>
           </a:p>
@@ -4571,6 +4571,10 @@
             </a:r>
           </a:p>
           <a:p>
+            <a:r>
+              <a:rPr lang="en-US" sz="2000" dirty="0"/>
+              <a:t/>
+            </a:r>
             <a:br>
               <a:rPr lang="en-US" sz="2000" dirty="0"/>
             </a:br>
@@ -5078,6 +5082,10 @@
             </a:r>
           </a:p>
           <a:p>
+            <a:r>
+              <a:rPr lang="en-US" dirty="0"/>
+              <a:t/>
+            </a:r>
             <a:br>
               <a:rPr lang="en-US" dirty="0"/>
             </a:br>
@@ -5947,6 +5955,15 @@
             </a:r>
           </a:p>
           <a:p>
+            <a:r>
+              <a:rPr lang="en-US" dirty="0">
+                <a:solidFill>
+                  <a:srgbClr val="222222"/>
+                </a:solidFill>
+                <a:latin typeface="Source Sans Pro"/>
+              </a:rPr>
+              <a:t/>
+            </a:r>
             <a:br>
               <a:rPr lang="en-US" dirty="0">
                 <a:solidFill>
@@ -5984,6 +6001,15 @@
             </a:r>
           </a:p>
           <a:p>
+            <a:r>
+              <a:rPr lang="en-US" dirty="0">
+                <a:solidFill>
+                  <a:srgbClr val="222222"/>
+                </a:solidFill>
+                <a:latin typeface="Source Sans Pro"/>
+              </a:rPr>
+              <a:t/>
+            </a:r>
             <a:br>
               <a:rPr lang="en-US" dirty="0">
                 <a:solidFill>
@@ -6021,6 +6047,15 @@
             </a:r>
           </a:p>
           <a:p>
+            <a:r>
+              <a:rPr lang="en-US" dirty="0">
+                <a:solidFill>
+                  <a:srgbClr val="222222"/>
+                </a:solidFill>
+                <a:latin typeface="Source Sans Pro"/>
+              </a:rPr>
+              <a:t/>
+            </a:r>
             <a:br>
               <a:rPr lang="en-US" dirty="0">
                 <a:solidFill>
@@ -6058,6 +6093,15 @@
             </a:r>
           </a:p>
           <a:p>
+            <a:r>
+              <a:rPr lang="en-US" dirty="0">
+                <a:solidFill>
+                  <a:srgbClr val="222222"/>
+                </a:solidFill>
+                <a:latin typeface="Source Sans Pro"/>
+              </a:rPr>
+              <a:t/>
+            </a:r>
             <a:br>
               <a:rPr lang="en-US" dirty="0">
                 <a:solidFill>
@@ -6095,6 +6139,15 @@
             </a:r>
           </a:p>
           <a:p>
+            <a:r>
+              <a:rPr lang="en-US" dirty="0">
+                <a:solidFill>
+                  <a:srgbClr val="222222"/>
+                </a:solidFill>
+                <a:latin typeface="Source Sans Pro"/>
+              </a:rPr>
+              <a:t/>
+            </a:r>
             <a:br>
               <a:rPr lang="en-US" dirty="0">
                 <a:solidFill>
@@ -9150,6 +9203,10 @@
             </a:r>
           </a:p>
           <a:p>
+            <a:r>
+              <a:rPr lang="en-US" dirty="0"/>
+              <a:t/>
+            </a:r>
             <a:br>
               <a:rPr lang="en-US" dirty="0"/>
             </a:br>
